--- a/4.기획/페르소나 분석_박가은.pptx
+++ b/4.기획/페르소나 분석_박가은.pptx
@@ -295,7 +295,7 @@
           <a:p>
             <a:fld id="{7CD5430F-1147-4060-90B2-32B3BDC32875}" type="datetimeFigureOut">
               <a:rPr lang="ko-KR" altLang="en-US" smtClean="0"/>
-              <a:t>2018-09-04</a:t>
+              <a:t>2018-09-11</a:t>
             </a:fld>
             <a:endParaRPr lang="ko-KR" altLang="en-US"/>
           </a:p>
@@ -465,7 +465,7 @@
           <a:p>
             <a:fld id="{7CD5430F-1147-4060-90B2-32B3BDC32875}" type="datetimeFigureOut">
               <a:rPr lang="ko-KR" altLang="en-US" smtClean="0"/>
-              <a:t>2018-09-04</a:t>
+              <a:t>2018-09-11</a:t>
             </a:fld>
             <a:endParaRPr lang="ko-KR" altLang="en-US"/>
           </a:p>
@@ -645,7 +645,7 @@
           <a:p>
             <a:fld id="{7CD5430F-1147-4060-90B2-32B3BDC32875}" type="datetimeFigureOut">
               <a:rPr lang="ko-KR" altLang="en-US" smtClean="0"/>
-              <a:t>2018-09-04</a:t>
+              <a:t>2018-09-11</a:t>
             </a:fld>
             <a:endParaRPr lang="ko-KR" altLang="en-US"/>
           </a:p>
@@ -815,7 +815,7 @@
           <a:p>
             <a:fld id="{7CD5430F-1147-4060-90B2-32B3BDC32875}" type="datetimeFigureOut">
               <a:rPr lang="ko-KR" altLang="en-US" smtClean="0"/>
-              <a:t>2018-09-04</a:t>
+              <a:t>2018-09-11</a:t>
             </a:fld>
             <a:endParaRPr lang="ko-KR" altLang="en-US"/>
           </a:p>
@@ -1061,7 +1061,7 @@
           <a:p>
             <a:fld id="{7CD5430F-1147-4060-90B2-32B3BDC32875}" type="datetimeFigureOut">
               <a:rPr lang="ko-KR" altLang="en-US" smtClean="0"/>
-              <a:t>2018-09-04</a:t>
+              <a:t>2018-09-11</a:t>
             </a:fld>
             <a:endParaRPr lang="ko-KR" altLang="en-US"/>
           </a:p>
@@ -1349,7 +1349,7 @@
           <a:p>
             <a:fld id="{7CD5430F-1147-4060-90B2-32B3BDC32875}" type="datetimeFigureOut">
               <a:rPr lang="ko-KR" altLang="en-US" smtClean="0"/>
-              <a:t>2018-09-04</a:t>
+              <a:t>2018-09-11</a:t>
             </a:fld>
             <a:endParaRPr lang="ko-KR" altLang="en-US"/>
           </a:p>
@@ -1771,7 +1771,7 @@
           <a:p>
             <a:fld id="{7CD5430F-1147-4060-90B2-32B3BDC32875}" type="datetimeFigureOut">
               <a:rPr lang="ko-KR" altLang="en-US" smtClean="0"/>
-              <a:t>2018-09-04</a:t>
+              <a:t>2018-09-11</a:t>
             </a:fld>
             <a:endParaRPr lang="ko-KR" altLang="en-US"/>
           </a:p>
@@ -1889,7 +1889,7 @@
           <a:p>
             <a:fld id="{7CD5430F-1147-4060-90B2-32B3BDC32875}" type="datetimeFigureOut">
               <a:rPr lang="ko-KR" altLang="en-US" smtClean="0"/>
-              <a:t>2018-09-04</a:t>
+              <a:t>2018-09-11</a:t>
             </a:fld>
             <a:endParaRPr lang="ko-KR" altLang="en-US"/>
           </a:p>
@@ -1984,7 +1984,7 @@
           <a:p>
             <a:fld id="{7CD5430F-1147-4060-90B2-32B3BDC32875}" type="datetimeFigureOut">
               <a:rPr lang="ko-KR" altLang="en-US" smtClean="0"/>
-              <a:t>2018-09-04</a:t>
+              <a:t>2018-09-11</a:t>
             </a:fld>
             <a:endParaRPr lang="ko-KR" altLang="en-US"/>
           </a:p>
@@ -2261,7 +2261,7 @@
           <a:p>
             <a:fld id="{7CD5430F-1147-4060-90B2-32B3BDC32875}" type="datetimeFigureOut">
               <a:rPr lang="ko-KR" altLang="en-US" smtClean="0"/>
-              <a:t>2018-09-04</a:t>
+              <a:t>2018-09-11</a:t>
             </a:fld>
             <a:endParaRPr lang="ko-KR" altLang="en-US"/>
           </a:p>
@@ -2514,7 +2514,7 @@
           <a:p>
             <a:fld id="{7CD5430F-1147-4060-90B2-32B3BDC32875}" type="datetimeFigureOut">
               <a:rPr lang="ko-KR" altLang="en-US" smtClean="0"/>
-              <a:t>2018-09-04</a:t>
+              <a:t>2018-09-11</a:t>
             </a:fld>
             <a:endParaRPr lang="ko-KR" altLang="en-US"/>
           </a:p>
@@ -2727,7 +2727,7 @@
           <a:p>
             <a:fld id="{7CD5430F-1147-4060-90B2-32B3BDC32875}" type="datetimeFigureOut">
               <a:rPr lang="ko-KR" altLang="en-US" smtClean="0"/>
-              <a:t>2018-09-04</a:t>
+              <a:t>2018-09-11</a:t>
             </a:fld>
             <a:endParaRPr lang="ko-KR" altLang="en-US"/>
           </a:p>
@@ -3182,7 +3182,7 @@
         <p:spPr>
           <a:xfrm>
             <a:off x="683568" y="548680"/>
-            <a:ext cx="7920880" cy="4524315"/>
+            <a:ext cx="7920880" cy="4801314"/>
           </a:xfrm>
           <a:prstGeom prst="rect">
             <a:avLst/>
@@ -3303,7 +3303,11 @@
             </a:r>
             <a:r>
               <a:rPr lang="ko-KR" altLang="en-US" dirty="0" smtClean="0"/>
-              <a:t>지역</a:t>
+              <a:t>교</a:t>
+            </a:r>
+            <a:r>
+              <a:rPr lang="ko-KR" altLang="en-US" dirty="0"/>
+              <a:t>통</a:t>
             </a:r>
             <a:r>
               <a:rPr lang="en-US" altLang="ko-KR" dirty="0" smtClean="0"/>
@@ -3314,32 +3318,12 @@
               <a:t>→</a:t>
             </a:r>
             <a:r>
-              <a:rPr lang="en-US" altLang="ko-KR" dirty="0"/>
-              <a:t> </a:t>
-            </a:r>
-            <a:r>
               <a:rPr lang="en-US" altLang="ko-KR" dirty="0" smtClean="0"/>
-              <a:t> </a:t>
+              <a:t>	</a:t>
             </a:r>
             <a:r>
               <a:rPr lang="ko-KR" altLang="en-US" dirty="0" smtClean="0"/>
-              <a:t>국내 → 수도권 </a:t>
-            </a:r>
-            <a:r>
-              <a:rPr lang="en-US" altLang="ko-KR" dirty="0" smtClean="0"/>
-              <a:t>– </a:t>
-            </a:r>
-            <a:r>
-              <a:rPr lang="ko-KR" altLang="en-US" dirty="0" smtClean="0"/>
-              <a:t>서울 </a:t>
-            </a:r>
-            <a:r>
-              <a:rPr lang="en-US" altLang="ko-KR" dirty="0" smtClean="0"/>
-              <a:t>- </a:t>
-            </a:r>
-            <a:r>
-              <a:rPr lang="ko-KR" altLang="en-US" dirty="0" smtClean="0"/>
-              <a:t>경기</a:t>
+              <a:t>버스</a:t>
             </a:r>
             <a:endParaRPr lang="en-US" altLang="ko-KR" dirty="0" smtClean="0"/>
           </a:p>
@@ -3350,48 +3334,43 @@
             </a:r>
             <a:r>
               <a:rPr lang="en-US" altLang="ko-KR" dirty="0" smtClean="0"/>
+              <a:t>	</a:t>
+            </a:r>
+            <a:r>
+              <a:rPr lang="ko-KR" altLang="en-US" dirty="0"/>
+              <a:t>→</a:t>
+            </a:r>
+            <a:r>
+              <a:rPr lang="en-US" altLang="ko-KR" dirty="0"/>
+              <a:t>	</a:t>
+            </a:r>
+            <a:r>
+              <a:rPr lang="ko-KR" altLang="en-US" dirty="0" smtClean="0"/>
+              <a:t>기차</a:t>
+            </a:r>
+            <a:endParaRPr lang="en-US" altLang="ko-KR" dirty="0" smtClean="0"/>
+          </a:p>
+          <a:p>
+            <a:r>
+              <a:rPr lang="en-US" altLang="ko-KR" dirty="0" smtClean="0"/>
               <a:t>		</a:t>
             </a:r>
             <a:r>
+              <a:rPr lang="ko-KR" altLang="en-US" dirty="0"/>
+              <a:t>→</a:t>
+            </a:r>
+            <a:r>
+              <a:rPr lang="en-US" altLang="ko-KR" dirty="0"/>
+              <a:t>	</a:t>
+            </a:r>
+            <a:r>
               <a:rPr lang="ko-KR" altLang="en-US" dirty="0" smtClean="0"/>
-              <a:t>→ 지방 </a:t>
-            </a:r>
-            <a:r>
-              <a:rPr lang="en-US" altLang="ko-KR" dirty="0" smtClean="0"/>
-              <a:t>– </a:t>
-            </a:r>
-            <a:r>
-              <a:rPr lang="ko-KR" altLang="en-US" dirty="0" smtClean="0"/>
-              <a:t>경상도 </a:t>
-            </a:r>
-            <a:r>
-              <a:rPr lang="en-US" altLang="ko-KR" dirty="0" smtClean="0"/>
-              <a:t>– </a:t>
-            </a:r>
-            <a:r>
-              <a:rPr lang="ko-KR" altLang="en-US" dirty="0" smtClean="0"/>
-              <a:t>충청도 </a:t>
-            </a:r>
-            <a:r>
-              <a:rPr lang="en-US" altLang="ko-KR" dirty="0" smtClean="0"/>
-              <a:t>– </a:t>
-            </a:r>
-            <a:r>
-              <a:rPr lang="ko-KR" altLang="en-US" dirty="0" smtClean="0"/>
-              <a:t>전라도 </a:t>
-            </a:r>
-            <a:r>
-              <a:rPr lang="en-US" altLang="ko-KR" dirty="0" smtClean="0"/>
-              <a:t>– </a:t>
-            </a:r>
-            <a:r>
-              <a:rPr lang="ko-KR" altLang="en-US" dirty="0" smtClean="0"/>
-              <a:t>제주도</a:t>
+              <a:t>자가용</a:t>
             </a:r>
             <a:endParaRPr lang="en-US" altLang="ko-KR" dirty="0" smtClean="0"/>
           </a:p>
           <a:p>
-            <a:endParaRPr lang="ko-KR" altLang="en-US" dirty="0"/>
+            <a:endParaRPr lang="ko-KR" altLang="en-US" dirty="0" smtClean="0"/>
           </a:p>
           <a:p>
             <a:r>
@@ -3726,8 +3705,12 @@
           </a:p>
           <a:p>
             <a:r>
-              <a:rPr lang="ko-KR" altLang="en-US" dirty="0" err="1" smtClean="0"/>
-              <a:t>방문율</a:t>
+              <a:rPr lang="ko-KR" altLang="en-US" dirty="0" smtClean="0"/>
+              <a:t>커뮤니티활용</a:t>
+            </a:r>
+            <a:r>
+              <a:rPr lang="ko-KR" altLang="en-US" dirty="0"/>
+              <a:t>도</a:t>
             </a:r>
             <a:r>
               <a:rPr lang="en-US" altLang="ko-KR" dirty="0" smtClean="0"/>
@@ -3735,10 +3718,14 @@
             </a:r>
             <a:r>
               <a:rPr lang="en-US" altLang="ko-KR" dirty="0"/>
-              <a:t>	   </a:t>
-            </a:r>
-            <a:r>
-              <a:rPr lang="ko-KR" altLang="en-US" dirty="0"/>
+              <a:t> </a:t>
+            </a:r>
+            <a:r>
+              <a:rPr lang="en-US" altLang="ko-KR" dirty="0" smtClean="0"/>
+              <a:t>  </a:t>
+            </a:r>
+            <a:r>
+              <a:rPr lang="ko-KR" altLang="en-US" dirty="0" smtClean="0"/>
               <a:t>→ </a:t>
             </a:r>
             <a:r>
@@ -3961,14 +3948,14 @@
           <p:nvPr>
             <p:extLst>
               <p:ext uri="{D42A27DB-BD31-4B8C-83A1-F6EECF244321}">
-                <p14:modId xmlns:p14="http://schemas.microsoft.com/office/powerpoint/2010/main" val="1439902939"/>
+                <p14:modId xmlns:p14="http://schemas.microsoft.com/office/powerpoint/2010/main" val="3170067484"/>
               </p:ext>
             </p:extLst>
           </p:nvPr>
         </p:nvGraphicFramePr>
         <p:xfrm>
           <a:off x="1907704" y="980728"/>
-          <a:ext cx="6696744" cy="5078912"/>
+          <a:ext cx="6696744" cy="5769748"/>
         </p:xfrm>
         <a:graphic>
           <a:graphicData uri="http://schemas.openxmlformats.org/drawingml/2006/table">
@@ -4123,7 +4110,7 @@
                       </a:pPr>
                       <a:r>
                         <a:rPr lang="ko-KR" altLang="en-US" sz="1400" baseline="0" dirty="0" smtClean="0"/>
-                        <a:t>관심 여행지</a:t>
+                        <a:t>관심 여행테마</a:t>
                       </a:r>
                       <a:r>
                         <a:rPr lang="en-US" altLang="ko-KR" sz="1400" baseline="0" dirty="0" smtClean="0"/>
@@ -4304,8 +4291,26 @@
                       </a:pPr>
                       <a:r>
                         <a:rPr lang="ko-KR" altLang="en-US" sz="1600" dirty="0" smtClean="0"/>
-                        <a:t>카테고리가 모호함</a:t>
-                      </a:r>
+                        <a:t>게스트 하우스 추천 </a:t>
+                      </a:r>
+                      <a:r>
+                        <a:rPr lang="ko-KR" altLang="en-US" sz="1600" dirty="0" err="1" smtClean="0"/>
+                        <a:t>검색어</a:t>
+                      </a:r>
+                      <a:r>
+                        <a:rPr lang="ko-KR" altLang="en-US" sz="1600" dirty="0" smtClean="0"/>
+                        <a:t> </a:t>
+                      </a:r>
+                      <a:r>
+                        <a:rPr lang="ko-KR" altLang="en-US" sz="1600" dirty="0" err="1" smtClean="0"/>
+                        <a:t>미지원</a:t>
+                      </a:r>
+                      <a:endParaRPr lang="en-US" altLang="ko-KR" sz="1600" dirty="0" smtClean="0"/>
+                    </a:p>
+                    <a:p>
+                      <a:pPr marL="0" indent="0" algn="l" latinLnBrk="1">
+                        <a:buNone/>
+                      </a:pPr>
                       <a:endParaRPr lang="en-US" altLang="ko-KR" sz="1600" dirty="0" smtClean="0"/>
                     </a:p>
                     <a:p>
@@ -4314,20 +4319,51 @@
                       </a:pPr>
                       <a:r>
                         <a:rPr lang="ko-KR" altLang="en-US" sz="1600" dirty="0" smtClean="0"/>
-                        <a:t>게스트 하우스 추천 </a:t>
-                      </a:r>
+                        <a:t>추천서비스가 없다</a:t>
+                      </a:r>
+                      <a:endParaRPr lang="en-US" altLang="ko-KR" sz="1600" dirty="0" smtClean="0"/>
+                    </a:p>
+                    <a:p>
+                      <a:pPr marL="342900" indent="-342900" algn="l" latinLnBrk="1">
+                        <a:buAutoNum type="arabicPeriod"/>
+                      </a:pPr>
                       <a:r>
                         <a:rPr lang="ko-KR" altLang="en-US" sz="1600" dirty="0" err="1" smtClean="0"/>
-                        <a:t>검색어</a:t>
+                        <a:t>댓글기능이</a:t>
                       </a:r>
                       <a:r>
                         <a:rPr lang="ko-KR" altLang="en-US" sz="1600" dirty="0" smtClean="0"/>
-                        <a:t> </a:t>
-                      </a:r>
-                      <a:r>
-                        <a:rPr lang="ko-KR" altLang="en-US" sz="1600" dirty="0" err="1" smtClean="0"/>
-                        <a:t>미지원</a:t>
-                      </a:r>
+                        <a:t> 없다</a:t>
+                      </a:r>
+                      <a:endParaRPr lang="en-US" altLang="ko-KR" sz="1600" dirty="0" smtClean="0"/>
+                    </a:p>
+                    <a:p>
+                      <a:pPr marL="342900" indent="-342900" algn="l" latinLnBrk="1">
+                        <a:buAutoNum type="arabicPeriod"/>
+                      </a:pPr>
+                      <a:r>
+                        <a:rPr lang="ko-KR" altLang="en-US" sz="1600" dirty="0" smtClean="0"/>
+                        <a:t>후기를 쓰는 게시판이 없다</a:t>
+                      </a:r>
+                      <a:r>
+                        <a:rPr lang="en-US" altLang="ko-KR" sz="1600" dirty="0" smtClean="0"/>
+                        <a:t>.</a:t>
+                      </a:r>
+                    </a:p>
+                    <a:p>
+                      <a:pPr marL="342900" indent="-342900" algn="l" latinLnBrk="1">
+                        <a:buAutoNum type="arabicPeriod"/>
+                      </a:pPr>
+                      <a:r>
+                        <a:rPr lang="ko-KR" altLang="en-US" sz="1600" smtClean="0"/>
+                        <a:t>지도 옵션</a:t>
+                      </a:r>
+                      <a:endParaRPr lang="en-US" altLang="ko-KR" sz="1600" dirty="0" smtClean="0"/>
+                    </a:p>
+                    <a:p>
+                      <a:pPr marL="342900" indent="-342900" algn="l" latinLnBrk="1">
+                        <a:buAutoNum type="arabicPeriod"/>
+                      </a:pPr>
                       <a:endParaRPr lang="ko-KR" altLang="en-US" sz="1600" dirty="0"/>
                     </a:p>
                   </a:txBody>
